--- a/docs/diagrams/HighLevelSequenceDiagrams.pptx
+++ b/docs/diagrams/HighLevelSequenceDiagrams.pptx
@@ -107,22 +107,6 @@
       </a:defRPr>
     </a:lvl9pPr>
   </p:defaultTextStyle>
-  <p:extLst>
-    <p:ext uri="{EFAFB233-063F-42B5-8137-9DF3F51BA10A}">
-      <p15:sldGuideLst xmlns:p15="http://schemas.microsoft.com/office/powerpoint/2012/main">
-        <p15:guide id="1" orient="horz" pos="1488">
-          <p15:clr>
-            <a:srgbClr val="A4A3A4"/>
-          </p15:clr>
-        </p15:guide>
-        <p15:guide id="2" pos="2880">
-          <p15:clr>
-            <a:srgbClr val="A4A3A4"/>
-          </p15:clr>
-        </p15:guide>
-      </p15:sldGuideLst>
-    </p:ext>
-  </p:extLst>
 </p:presentation>
 </file>
 
@@ -208,7 +192,7 @@
           <a:p>
             <a:fld id="{F5CC4B3F-88C1-4FFA-B1B6-F41C21DC6924}" type="datetimeFigureOut">
               <a:rPr lang="en-US" smtClean="0"/>
-              <a:t>11/5/2018</a:t>
+              <a:t>10/16/2016</a:t>
             </a:fld>
             <a:endParaRPr lang="en-US"/>
           </a:p>
@@ -272,37 +256,38 @@
           <a:p>
             <a:pPr lvl="0"/>
             <a:r>
-              <a:rPr lang="en-US"/>
+              <a:rPr lang="en-US" smtClean="0"/>
               <a:t>Click to edit Master text styles</a:t>
             </a:r>
           </a:p>
           <a:p>
             <a:pPr lvl="1"/>
             <a:r>
-              <a:rPr lang="en-US"/>
+              <a:rPr lang="en-US" smtClean="0"/>
               <a:t>Second level</a:t>
             </a:r>
           </a:p>
           <a:p>
             <a:pPr lvl="2"/>
             <a:r>
-              <a:rPr lang="en-US"/>
+              <a:rPr lang="en-US" smtClean="0"/>
               <a:t>Third level</a:t>
             </a:r>
           </a:p>
           <a:p>
             <a:pPr lvl="3"/>
             <a:r>
-              <a:rPr lang="en-US"/>
+              <a:rPr lang="en-US" smtClean="0"/>
               <a:t>Fourth level</a:t>
             </a:r>
           </a:p>
           <a:p>
             <a:pPr lvl="4"/>
             <a:r>
-              <a:rPr lang="en-US"/>
+              <a:rPr lang="en-US" smtClean="0"/>
               <a:t>Fifth level</a:t>
             </a:r>
+            <a:endParaRPr lang="en-US"/>
           </a:p>
         </p:txBody>
       </p:sp>
@@ -513,9 +498,10 @@
           <a:lstStyle/>
           <a:p>
             <a:r>
-              <a:rPr lang="en-US"/>
+              <a:rPr lang="en-US" smtClean="0"/>
               <a:t>Click to edit Master title style</a:t>
             </a:r>
+            <a:endParaRPr lang="en-US"/>
           </a:p>
         </p:txBody>
       </p:sp>
@@ -631,9 +617,10 @@
           </a:lstStyle>
           <a:p>
             <a:r>
-              <a:rPr lang="en-US"/>
+              <a:rPr lang="en-US" smtClean="0"/>
               <a:t>Click to edit Master subtitle style</a:t>
             </a:r>
+            <a:endParaRPr lang="en-US"/>
           </a:p>
         </p:txBody>
       </p:sp>
@@ -654,7 +641,7 @@
           <a:p>
             <a:fld id="{78C97017-6FC3-485B-9764-EAC9E56C1D49}" type="datetimeFigureOut">
               <a:rPr lang="en-US" smtClean="0"/>
-              <a:t>11/5/2018</a:t>
+              <a:t>10/16/2016</a:t>
             </a:fld>
             <a:endParaRPr lang="en-US"/>
           </a:p>
@@ -748,9 +735,10 @@
           <a:lstStyle/>
           <a:p>
             <a:r>
-              <a:rPr lang="en-US"/>
+              <a:rPr lang="en-US" smtClean="0"/>
               <a:t>Click to edit Master title style</a:t>
             </a:r>
+            <a:endParaRPr lang="en-US"/>
           </a:p>
         </p:txBody>
       </p:sp>
@@ -771,37 +759,38 @@
           <a:p>
             <a:pPr lvl="0"/>
             <a:r>
-              <a:rPr lang="en-US"/>
+              <a:rPr lang="en-US" smtClean="0"/>
               <a:t>Click to edit Master text styles</a:t>
             </a:r>
           </a:p>
           <a:p>
             <a:pPr lvl="1"/>
             <a:r>
-              <a:rPr lang="en-US"/>
+              <a:rPr lang="en-US" smtClean="0"/>
               <a:t>Second level</a:t>
             </a:r>
           </a:p>
           <a:p>
             <a:pPr lvl="2"/>
             <a:r>
-              <a:rPr lang="en-US"/>
+              <a:rPr lang="en-US" smtClean="0"/>
               <a:t>Third level</a:t>
             </a:r>
           </a:p>
           <a:p>
             <a:pPr lvl="3"/>
             <a:r>
-              <a:rPr lang="en-US"/>
+              <a:rPr lang="en-US" smtClean="0"/>
               <a:t>Fourth level</a:t>
             </a:r>
           </a:p>
           <a:p>
             <a:pPr lvl="4"/>
             <a:r>
-              <a:rPr lang="en-US"/>
+              <a:rPr lang="en-US" smtClean="0"/>
               <a:t>Fifth level</a:t>
             </a:r>
+            <a:endParaRPr lang="en-US"/>
           </a:p>
         </p:txBody>
       </p:sp>
@@ -822,7 +811,7 @@
           <a:p>
             <a:fld id="{78C97017-6FC3-485B-9764-EAC9E56C1D49}" type="datetimeFigureOut">
               <a:rPr lang="en-US" smtClean="0"/>
-              <a:t>11/5/2018</a:t>
+              <a:t>10/16/2016</a:t>
             </a:fld>
             <a:endParaRPr lang="en-US"/>
           </a:p>
@@ -921,9 +910,10 @@
           <a:lstStyle/>
           <a:p>
             <a:r>
-              <a:rPr lang="en-US"/>
+              <a:rPr lang="en-US" smtClean="0"/>
               <a:t>Click to edit Master title style</a:t>
             </a:r>
+            <a:endParaRPr lang="en-US"/>
           </a:p>
         </p:txBody>
       </p:sp>
@@ -949,37 +939,38 @@
           <a:p>
             <a:pPr lvl="0"/>
             <a:r>
-              <a:rPr lang="en-US"/>
+              <a:rPr lang="en-US" smtClean="0"/>
               <a:t>Click to edit Master text styles</a:t>
             </a:r>
           </a:p>
           <a:p>
             <a:pPr lvl="1"/>
             <a:r>
-              <a:rPr lang="en-US"/>
+              <a:rPr lang="en-US" smtClean="0"/>
               <a:t>Second level</a:t>
             </a:r>
           </a:p>
           <a:p>
             <a:pPr lvl="2"/>
             <a:r>
-              <a:rPr lang="en-US"/>
+              <a:rPr lang="en-US" smtClean="0"/>
               <a:t>Third level</a:t>
             </a:r>
           </a:p>
           <a:p>
             <a:pPr lvl="3"/>
             <a:r>
-              <a:rPr lang="en-US"/>
+              <a:rPr lang="en-US" smtClean="0"/>
               <a:t>Fourth level</a:t>
             </a:r>
           </a:p>
           <a:p>
             <a:pPr lvl="4"/>
             <a:r>
-              <a:rPr lang="en-US"/>
+              <a:rPr lang="en-US" smtClean="0"/>
               <a:t>Fifth level</a:t>
             </a:r>
+            <a:endParaRPr lang="en-US"/>
           </a:p>
         </p:txBody>
       </p:sp>
@@ -1000,7 +991,7 @@
           <a:p>
             <a:fld id="{78C97017-6FC3-485B-9764-EAC9E56C1D49}" type="datetimeFigureOut">
               <a:rPr lang="en-US" smtClean="0"/>
-              <a:t>11/5/2018</a:t>
+              <a:t>10/16/2016</a:t>
             </a:fld>
             <a:endParaRPr lang="en-US"/>
           </a:p>
@@ -1094,9 +1085,10 @@
           <a:lstStyle/>
           <a:p>
             <a:r>
-              <a:rPr lang="en-US"/>
+              <a:rPr lang="en-US" smtClean="0"/>
               <a:t>Click to edit Master title style</a:t>
             </a:r>
+            <a:endParaRPr lang="en-US"/>
           </a:p>
         </p:txBody>
       </p:sp>
@@ -1117,37 +1109,38 @@
           <a:p>
             <a:pPr lvl="0"/>
             <a:r>
-              <a:rPr lang="en-US"/>
+              <a:rPr lang="en-US" smtClean="0"/>
               <a:t>Click to edit Master text styles</a:t>
             </a:r>
           </a:p>
           <a:p>
             <a:pPr lvl="1"/>
             <a:r>
-              <a:rPr lang="en-US"/>
+              <a:rPr lang="en-US" smtClean="0"/>
               <a:t>Second level</a:t>
             </a:r>
           </a:p>
           <a:p>
             <a:pPr lvl="2"/>
             <a:r>
-              <a:rPr lang="en-US"/>
+              <a:rPr lang="en-US" smtClean="0"/>
               <a:t>Third level</a:t>
             </a:r>
           </a:p>
           <a:p>
             <a:pPr lvl="3"/>
             <a:r>
-              <a:rPr lang="en-US"/>
+              <a:rPr lang="en-US" smtClean="0"/>
               <a:t>Fourth level</a:t>
             </a:r>
           </a:p>
           <a:p>
             <a:pPr lvl="4"/>
             <a:r>
-              <a:rPr lang="en-US"/>
+              <a:rPr lang="en-US" smtClean="0"/>
               <a:t>Fifth level</a:t>
             </a:r>
+            <a:endParaRPr lang="en-US"/>
           </a:p>
         </p:txBody>
       </p:sp>
@@ -1168,7 +1161,7 @@
           <a:p>
             <a:fld id="{78C97017-6FC3-485B-9764-EAC9E56C1D49}" type="datetimeFigureOut">
               <a:rPr lang="en-US" smtClean="0"/>
-              <a:t>11/5/2018</a:t>
+              <a:t>10/16/2016</a:t>
             </a:fld>
             <a:endParaRPr lang="en-US"/>
           </a:p>
@@ -1271,9 +1264,10 @@
           </a:lstStyle>
           <a:p>
             <a:r>
-              <a:rPr lang="en-US"/>
+              <a:rPr lang="en-US" smtClean="0"/>
               <a:t>Click to edit Master title style</a:t>
             </a:r>
+            <a:endParaRPr lang="en-US"/>
           </a:p>
         </p:txBody>
       </p:sp>
@@ -1390,7 +1384,7 @@
           <a:p>
             <a:pPr lvl="0"/>
             <a:r>
-              <a:rPr lang="en-US"/>
+              <a:rPr lang="en-US" smtClean="0"/>
               <a:t>Click to edit Master text styles</a:t>
             </a:r>
           </a:p>
@@ -1413,7 +1407,7 @@
           <a:p>
             <a:fld id="{78C97017-6FC3-485B-9764-EAC9E56C1D49}" type="datetimeFigureOut">
               <a:rPr lang="en-US" smtClean="0"/>
-              <a:t>11/5/2018</a:t>
+              <a:t>10/16/2016</a:t>
             </a:fld>
             <a:endParaRPr lang="en-US"/>
           </a:p>
@@ -1507,9 +1501,10 @@
           <a:lstStyle/>
           <a:p>
             <a:r>
-              <a:rPr lang="en-US"/>
+              <a:rPr lang="en-US" smtClean="0"/>
               <a:t>Click to edit Master title style</a:t>
             </a:r>
+            <a:endParaRPr lang="en-US"/>
           </a:p>
         </p:txBody>
       </p:sp>
@@ -1563,37 +1558,38 @@
           <a:p>
             <a:pPr lvl="0"/>
             <a:r>
-              <a:rPr lang="en-US"/>
+              <a:rPr lang="en-US" smtClean="0"/>
               <a:t>Click to edit Master text styles</a:t>
             </a:r>
           </a:p>
           <a:p>
             <a:pPr lvl="1"/>
             <a:r>
-              <a:rPr lang="en-US"/>
+              <a:rPr lang="en-US" smtClean="0"/>
               <a:t>Second level</a:t>
             </a:r>
           </a:p>
           <a:p>
             <a:pPr lvl="2"/>
             <a:r>
-              <a:rPr lang="en-US"/>
+              <a:rPr lang="en-US" smtClean="0"/>
               <a:t>Third level</a:t>
             </a:r>
           </a:p>
           <a:p>
             <a:pPr lvl="3"/>
             <a:r>
-              <a:rPr lang="en-US"/>
+              <a:rPr lang="en-US" smtClean="0"/>
               <a:t>Fourth level</a:t>
             </a:r>
           </a:p>
           <a:p>
             <a:pPr lvl="4"/>
             <a:r>
-              <a:rPr lang="en-US"/>
+              <a:rPr lang="en-US" smtClean="0"/>
               <a:t>Fifth level</a:t>
             </a:r>
+            <a:endParaRPr lang="en-US"/>
           </a:p>
         </p:txBody>
       </p:sp>
@@ -1647,37 +1643,38 @@
           <a:p>
             <a:pPr lvl="0"/>
             <a:r>
-              <a:rPr lang="en-US"/>
+              <a:rPr lang="en-US" smtClean="0"/>
               <a:t>Click to edit Master text styles</a:t>
             </a:r>
           </a:p>
           <a:p>
             <a:pPr lvl="1"/>
             <a:r>
-              <a:rPr lang="en-US"/>
+              <a:rPr lang="en-US" smtClean="0"/>
               <a:t>Second level</a:t>
             </a:r>
           </a:p>
           <a:p>
             <a:pPr lvl="2"/>
             <a:r>
-              <a:rPr lang="en-US"/>
+              <a:rPr lang="en-US" smtClean="0"/>
               <a:t>Third level</a:t>
             </a:r>
           </a:p>
           <a:p>
             <a:pPr lvl="3"/>
             <a:r>
-              <a:rPr lang="en-US"/>
+              <a:rPr lang="en-US" smtClean="0"/>
               <a:t>Fourth level</a:t>
             </a:r>
           </a:p>
           <a:p>
             <a:pPr lvl="4"/>
             <a:r>
-              <a:rPr lang="en-US"/>
+              <a:rPr lang="en-US" smtClean="0"/>
               <a:t>Fifth level</a:t>
             </a:r>
+            <a:endParaRPr lang="en-US"/>
           </a:p>
         </p:txBody>
       </p:sp>
@@ -1698,7 +1695,7 @@
           <a:p>
             <a:fld id="{78C97017-6FC3-485B-9764-EAC9E56C1D49}" type="datetimeFigureOut">
               <a:rPr lang="en-US" smtClean="0"/>
-              <a:t>11/5/2018</a:t>
+              <a:t>10/16/2016</a:t>
             </a:fld>
             <a:endParaRPr lang="en-US"/>
           </a:p>
@@ -1796,9 +1793,10 @@
           </a:lstStyle>
           <a:p>
             <a:r>
-              <a:rPr lang="en-US"/>
+              <a:rPr lang="en-US" smtClean="0"/>
               <a:t>Click to edit Master title style</a:t>
             </a:r>
+            <a:endParaRPr lang="en-US"/>
           </a:p>
         </p:txBody>
       </p:sp>
@@ -1861,7 +1859,7 @@
           <a:p>
             <a:pPr lvl="0"/>
             <a:r>
-              <a:rPr lang="en-US"/>
+              <a:rPr lang="en-US" smtClean="0"/>
               <a:t>Click to edit Master text styles</a:t>
             </a:r>
           </a:p>
@@ -1917,37 +1915,38 @@
           <a:p>
             <a:pPr lvl="0"/>
             <a:r>
-              <a:rPr lang="en-US"/>
+              <a:rPr lang="en-US" smtClean="0"/>
               <a:t>Click to edit Master text styles</a:t>
             </a:r>
           </a:p>
           <a:p>
             <a:pPr lvl="1"/>
             <a:r>
-              <a:rPr lang="en-US"/>
+              <a:rPr lang="en-US" smtClean="0"/>
               <a:t>Second level</a:t>
             </a:r>
           </a:p>
           <a:p>
             <a:pPr lvl="2"/>
             <a:r>
-              <a:rPr lang="en-US"/>
+              <a:rPr lang="en-US" smtClean="0"/>
               <a:t>Third level</a:t>
             </a:r>
           </a:p>
           <a:p>
             <a:pPr lvl="3"/>
             <a:r>
-              <a:rPr lang="en-US"/>
+              <a:rPr lang="en-US" smtClean="0"/>
               <a:t>Fourth level</a:t>
             </a:r>
           </a:p>
           <a:p>
             <a:pPr lvl="4"/>
             <a:r>
-              <a:rPr lang="en-US"/>
+              <a:rPr lang="en-US" smtClean="0"/>
               <a:t>Fifth level</a:t>
             </a:r>
+            <a:endParaRPr lang="en-US"/>
           </a:p>
         </p:txBody>
       </p:sp>
@@ -2010,7 +2009,7 @@
           <a:p>
             <a:pPr lvl="0"/>
             <a:r>
-              <a:rPr lang="en-US"/>
+              <a:rPr lang="en-US" smtClean="0"/>
               <a:t>Click to edit Master text styles</a:t>
             </a:r>
           </a:p>
@@ -2066,37 +2065,38 @@
           <a:p>
             <a:pPr lvl="0"/>
             <a:r>
-              <a:rPr lang="en-US"/>
+              <a:rPr lang="en-US" smtClean="0"/>
               <a:t>Click to edit Master text styles</a:t>
             </a:r>
           </a:p>
           <a:p>
             <a:pPr lvl="1"/>
             <a:r>
-              <a:rPr lang="en-US"/>
+              <a:rPr lang="en-US" smtClean="0"/>
               <a:t>Second level</a:t>
             </a:r>
           </a:p>
           <a:p>
             <a:pPr lvl="2"/>
             <a:r>
-              <a:rPr lang="en-US"/>
+              <a:rPr lang="en-US" smtClean="0"/>
               <a:t>Third level</a:t>
             </a:r>
           </a:p>
           <a:p>
             <a:pPr lvl="3"/>
             <a:r>
-              <a:rPr lang="en-US"/>
+              <a:rPr lang="en-US" smtClean="0"/>
               <a:t>Fourth level</a:t>
             </a:r>
           </a:p>
           <a:p>
             <a:pPr lvl="4"/>
             <a:r>
-              <a:rPr lang="en-US"/>
+              <a:rPr lang="en-US" smtClean="0"/>
               <a:t>Fifth level</a:t>
             </a:r>
+            <a:endParaRPr lang="en-US"/>
           </a:p>
         </p:txBody>
       </p:sp>
@@ -2117,7 +2117,7 @@
           <a:p>
             <a:fld id="{78C97017-6FC3-485B-9764-EAC9E56C1D49}" type="datetimeFigureOut">
               <a:rPr lang="en-US" smtClean="0"/>
-              <a:t>11/5/2018</a:t>
+              <a:t>10/16/2016</a:t>
             </a:fld>
             <a:endParaRPr lang="en-US"/>
           </a:p>
@@ -2211,9 +2211,10 @@
           <a:lstStyle/>
           <a:p>
             <a:r>
-              <a:rPr lang="en-US"/>
+              <a:rPr lang="en-US" smtClean="0"/>
               <a:t>Click to edit Master title style</a:t>
             </a:r>
+            <a:endParaRPr lang="en-US"/>
           </a:p>
         </p:txBody>
       </p:sp>
@@ -2234,7 +2235,7 @@
           <a:p>
             <a:fld id="{78C97017-6FC3-485B-9764-EAC9E56C1D49}" type="datetimeFigureOut">
               <a:rPr lang="en-US" smtClean="0"/>
-              <a:t>11/5/2018</a:t>
+              <a:t>10/16/2016</a:t>
             </a:fld>
             <a:endParaRPr lang="en-US"/>
           </a:p>
@@ -2329,7 +2330,7 @@
           <a:p>
             <a:fld id="{78C97017-6FC3-485B-9764-EAC9E56C1D49}" type="datetimeFigureOut">
               <a:rPr lang="en-US" smtClean="0"/>
-              <a:t>11/5/2018</a:t>
+              <a:t>10/16/2016</a:t>
             </a:fld>
             <a:endParaRPr lang="en-US"/>
           </a:p>
@@ -2432,9 +2433,10 @@
           </a:lstStyle>
           <a:p>
             <a:r>
-              <a:rPr lang="en-US"/>
+              <a:rPr lang="en-US" smtClean="0"/>
               <a:t>Click to edit Master title style</a:t>
             </a:r>
+            <a:endParaRPr lang="en-US"/>
           </a:p>
         </p:txBody>
       </p:sp>
@@ -2488,37 +2490,38 @@
           <a:p>
             <a:pPr lvl="0"/>
             <a:r>
-              <a:rPr lang="en-US"/>
+              <a:rPr lang="en-US" smtClean="0"/>
               <a:t>Click to edit Master text styles</a:t>
             </a:r>
           </a:p>
           <a:p>
             <a:pPr lvl="1"/>
             <a:r>
-              <a:rPr lang="en-US"/>
+              <a:rPr lang="en-US" smtClean="0"/>
               <a:t>Second level</a:t>
             </a:r>
           </a:p>
           <a:p>
             <a:pPr lvl="2"/>
             <a:r>
-              <a:rPr lang="en-US"/>
+              <a:rPr lang="en-US" smtClean="0"/>
               <a:t>Third level</a:t>
             </a:r>
           </a:p>
           <a:p>
             <a:pPr lvl="3"/>
             <a:r>
-              <a:rPr lang="en-US"/>
+              <a:rPr lang="en-US" smtClean="0"/>
               <a:t>Fourth level</a:t>
             </a:r>
           </a:p>
           <a:p>
             <a:pPr lvl="4"/>
             <a:r>
-              <a:rPr lang="en-US"/>
+              <a:rPr lang="en-US" smtClean="0"/>
               <a:t>Fifth level</a:t>
             </a:r>
+            <a:endParaRPr lang="en-US"/>
           </a:p>
         </p:txBody>
       </p:sp>
@@ -2581,7 +2584,7 @@
           <a:p>
             <a:pPr lvl="0"/>
             <a:r>
-              <a:rPr lang="en-US"/>
+              <a:rPr lang="en-US" smtClean="0"/>
               <a:t>Click to edit Master text styles</a:t>
             </a:r>
           </a:p>
@@ -2604,7 +2607,7 @@
           <a:p>
             <a:fld id="{78C97017-6FC3-485B-9764-EAC9E56C1D49}" type="datetimeFigureOut">
               <a:rPr lang="en-US" smtClean="0"/>
-              <a:t>11/5/2018</a:t>
+              <a:t>10/16/2016</a:t>
             </a:fld>
             <a:endParaRPr lang="en-US"/>
           </a:p>
@@ -2707,9 +2710,10 @@
           </a:lstStyle>
           <a:p>
             <a:r>
-              <a:rPr lang="en-US"/>
+              <a:rPr lang="en-US" smtClean="0"/>
               <a:t>Click to edit Master title style</a:t>
             </a:r>
+            <a:endParaRPr lang="en-US"/>
           </a:p>
         </p:txBody>
       </p:sp>
@@ -2833,7 +2837,7 @@
           <a:p>
             <a:pPr lvl="0"/>
             <a:r>
-              <a:rPr lang="en-US"/>
+              <a:rPr lang="en-US" smtClean="0"/>
               <a:t>Click to edit Master text styles</a:t>
             </a:r>
           </a:p>
@@ -2856,7 +2860,7 @@
           <a:p>
             <a:fld id="{78C97017-6FC3-485B-9764-EAC9E56C1D49}" type="datetimeFigureOut">
               <a:rPr lang="en-US" smtClean="0"/>
-              <a:t>11/5/2018</a:t>
+              <a:t>10/16/2016</a:t>
             </a:fld>
             <a:endParaRPr lang="en-US"/>
           </a:p>
@@ -2965,9 +2969,10 @@
           <a:lstStyle/>
           <a:p>
             <a:r>
-              <a:rPr lang="en-US"/>
+              <a:rPr lang="en-US" smtClean="0"/>
               <a:t>Click to edit Master title style</a:t>
             </a:r>
+            <a:endParaRPr lang="en-US"/>
           </a:p>
         </p:txBody>
       </p:sp>
@@ -2998,37 +3003,38 @@
           <a:p>
             <a:pPr lvl="0"/>
             <a:r>
-              <a:rPr lang="en-US"/>
+              <a:rPr lang="en-US" smtClean="0"/>
               <a:t>Click to edit Master text styles</a:t>
             </a:r>
           </a:p>
           <a:p>
             <a:pPr lvl="1"/>
             <a:r>
-              <a:rPr lang="en-US"/>
+              <a:rPr lang="en-US" smtClean="0"/>
               <a:t>Second level</a:t>
             </a:r>
           </a:p>
           <a:p>
             <a:pPr lvl="2"/>
             <a:r>
-              <a:rPr lang="en-US"/>
+              <a:rPr lang="en-US" smtClean="0"/>
               <a:t>Third level</a:t>
             </a:r>
           </a:p>
           <a:p>
             <a:pPr lvl="3"/>
             <a:r>
-              <a:rPr lang="en-US"/>
+              <a:rPr lang="en-US" smtClean="0"/>
               <a:t>Fourth level</a:t>
             </a:r>
           </a:p>
           <a:p>
             <a:pPr lvl="4"/>
             <a:r>
-              <a:rPr lang="en-US"/>
+              <a:rPr lang="en-US" smtClean="0"/>
               <a:t>Fifth level</a:t>
             </a:r>
+            <a:endParaRPr lang="en-US"/>
           </a:p>
         </p:txBody>
       </p:sp>
@@ -3067,7 +3073,7 @@
           <a:p>
             <a:fld id="{78C97017-6FC3-485B-9764-EAC9E56C1D49}" type="datetimeFigureOut">
               <a:rPr lang="en-US" smtClean="0"/>
-              <a:t>11/5/2018</a:t>
+              <a:t>10/16/2016</a:t>
             </a:fld>
             <a:endParaRPr lang="en-US"/>
           </a:p>
@@ -3486,7 +3492,7 @@
           <a:p>
             <a:pPr algn="ctr"/>
             <a:r>
-              <a:rPr lang="en-US" sz="1600" dirty="0">
+              <a:rPr lang="en-US" sz="1600" dirty="0" smtClean="0">
                 <a:solidFill>
                   <a:schemeClr val="bg1"/>
                 </a:solidFill>
@@ -3850,7 +3856,7 @@
           <a:p>
             <a:pPr algn="ctr"/>
             <a:r>
-              <a:rPr lang="en-US" sz="1600" dirty="0">
+              <a:rPr lang="en-US" sz="1600" dirty="0" smtClean="0">
                 <a:solidFill>
                   <a:schemeClr val="bg1"/>
                 </a:solidFill>
@@ -3997,7 +4003,7 @@
           <a:p>
             <a:pPr algn="ctr"/>
             <a:r>
-              <a:rPr lang="en-US" sz="1600" dirty="0">
+              <a:rPr lang="en-US" sz="1600" dirty="0" smtClean="0">
                 <a:solidFill>
                   <a:schemeClr val="bg1"/>
                 </a:solidFill>
@@ -4144,8 +4150,8 @@
         </p:nvSpPr>
         <p:spPr>
           <a:xfrm>
-            <a:off x="448270" y="1345880"/>
-            <a:ext cx="1304330" cy="215444"/>
+            <a:off x="466818" y="1345880"/>
+            <a:ext cx="860170" cy="215444"/>
           </a:xfrm>
           <a:prstGeom prst="rect">
             <a:avLst/>
@@ -4159,9 +4165,10 @@
           <a:lstStyle/>
           <a:p>
             <a:r>
-              <a:rPr lang="en-US" sz="1400" dirty="0"/>
-              <a:t>/order delete 1</a:t>
-            </a:r>
+              <a:rPr lang="en-US" sz="1400" dirty="0" smtClean="0"/>
+              <a:t>delete 1</a:t>
+            </a:r>
+            <a:endParaRPr lang="en-US" sz="1400" dirty="0"/>
           </a:p>
         </p:txBody>
       </p:sp>
@@ -4209,8 +4216,8 @@
         </p:nvSpPr>
         <p:spPr>
           <a:xfrm>
-            <a:off x="1781542" y="1447800"/>
-            <a:ext cx="1956842" cy="215444"/>
+            <a:off x="2166172" y="1453379"/>
+            <a:ext cx="1424846" cy="215444"/>
           </a:xfrm>
           <a:prstGeom prst="rect">
             <a:avLst/>
@@ -4224,13 +4231,18 @@
           <a:lstStyle/>
           <a:p>
             <a:r>
-              <a:rPr lang="en-US" sz="1400" dirty="0">
+              <a:rPr lang="en-US" sz="1400" dirty="0" smtClean="0">
                 <a:solidFill>
                   <a:srgbClr val="0070C0"/>
                 </a:solidFill>
               </a:rPr>
-              <a:t>execute(“/order delete 1”)</a:t>
-            </a:r>
+              <a:t>execute(“delete 1”)</a:t>
+            </a:r>
+            <a:endParaRPr lang="en-US" sz="1400" dirty="0">
+              <a:solidFill>
+                <a:srgbClr val="0070C0"/>
+              </a:solidFill>
+            </a:endParaRPr>
           </a:p>
         </p:txBody>
       </p:sp>
@@ -4293,21 +4305,26 @@
           <a:lstStyle/>
           <a:p>
             <a:r>
-              <a:rPr lang="en-US" sz="1400" dirty="0" err="1">
+              <a:rPr lang="en-US" sz="1400" dirty="0" err="1" smtClean="0">
                 <a:solidFill>
                   <a:srgbClr val="7030A0"/>
                 </a:solidFill>
               </a:rPr>
-              <a:t>deleteOrder</a:t>
-            </a:r>
-            <a:r>
-              <a:rPr lang="en-US" sz="1400" dirty="0">
+              <a:t>deletePerson</a:t>
+            </a:r>
+            <a:r>
+              <a:rPr lang="en-US" sz="1400" dirty="0" smtClean="0">
                 <a:solidFill>
                   <a:srgbClr val="7030A0"/>
                 </a:solidFill>
               </a:rPr>
-              <a:t>(o)</a:t>
-            </a:r>
+              <a:t>(p)</a:t>
+            </a:r>
+            <a:endParaRPr lang="en-US" sz="1400" dirty="0">
+              <a:solidFill>
+                <a:srgbClr val="7030A0"/>
+              </a:solidFill>
+            </a:endParaRPr>
           </a:p>
         </p:txBody>
       </p:sp>
@@ -4334,7 +4351,7 @@
           <a:lstStyle/>
           <a:p>
             <a:r>
-              <a:rPr lang="en-US" sz="1400" dirty="0">
+              <a:rPr lang="en-US" sz="1400" dirty="0" smtClean="0">
                 <a:solidFill>
                   <a:schemeClr val="accent5">
                     <a:lumMod val="75000"/>
@@ -4344,17 +4361,17 @@
               <a:t>post(</a:t>
             </a:r>
             <a:r>
-              <a:rPr lang="en-US" sz="1400" dirty="0" err="1">
+              <a:rPr lang="en-US" sz="1400" dirty="0" err="1" smtClean="0">
                 <a:solidFill>
                   <a:schemeClr val="accent5">
                     <a:lumMod val="75000"/>
                   </a:schemeClr>
                 </a:solidFill>
               </a:rPr>
-              <a:t>OrderBookChangedEvent</a:t>
-            </a:r>
-            <a:r>
-              <a:rPr lang="en-US" sz="1400" dirty="0">
+              <a:t>AddressBookChangedEvent</a:t>
+            </a:r>
+            <a:r>
+              <a:rPr lang="en-US" sz="1400" dirty="0" smtClean="0">
                 <a:solidFill>
                   <a:schemeClr val="accent5">
                     <a:lumMod val="75000"/>
@@ -4363,6 +4380,13 @@
               </a:rPr>
               <a:t>)</a:t>
             </a:r>
+            <a:endParaRPr lang="en-US" sz="1400" dirty="0">
+              <a:solidFill>
+                <a:schemeClr val="accent5">
+                  <a:lumMod val="75000"/>
+                </a:schemeClr>
+              </a:solidFill>
+            </a:endParaRPr>
           </a:p>
         </p:txBody>
       </p:sp>
@@ -4528,7 +4552,7 @@
           <a:p>
             <a:pPr algn="ctr"/>
             <a:r>
-              <a:rPr lang="en-US" sz="1600" dirty="0">
+              <a:rPr lang="en-US" sz="1600" dirty="0" smtClean="0">
                 <a:solidFill>
                   <a:schemeClr val="bg1"/>
                 </a:solidFill>
@@ -4536,7 +4560,7 @@
               <a:t>:</a:t>
             </a:r>
             <a:r>
-              <a:rPr lang="en-US" sz="1600" dirty="0" err="1">
+              <a:rPr lang="en-US" sz="1600" dirty="0" err="1" smtClean="0">
                 <a:solidFill>
                   <a:schemeClr val="bg1"/>
                 </a:solidFill>
@@ -4769,7 +4793,7 @@
           <a:p>
             <a:pPr algn="ctr"/>
             <a:r>
-              <a:rPr lang="en-US" sz="1600" dirty="0">
+              <a:rPr lang="en-US" sz="1600" dirty="0" smtClean="0">
                 <a:solidFill>
                   <a:schemeClr val="bg1"/>
                 </a:solidFill>
@@ -4901,7 +4925,7 @@
           <a:lstStyle/>
           <a:p>
             <a:r>
-              <a:rPr lang="en-US" sz="1400" dirty="0">
+              <a:rPr lang="en-US" sz="1400" dirty="0" smtClean="0">
                 <a:solidFill>
                   <a:schemeClr val="accent5">
                     <a:lumMod val="75000"/>
@@ -4911,17 +4935,17 @@
               <a:t>post(</a:t>
             </a:r>
             <a:r>
-              <a:rPr lang="en-US" sz="1400" dirty="0" err="1">
+              <a:rPr lang="en-US" sz="1400" dirty="0" err="1" smtClean="0">
                 <a:solidFill>
                   <a:schemeClr val="accent5">
                     <a:lumMod val="75000"/>
                   </a:schemeClr>
                 </a:solidFill>
               </a:rPr>
-              <a:t>OrderBookChangedEvent</a:t>
-            </a:r>
-            <a:r>
-              <a:rPr lang="en-US" sz="1400" dirty="0">
+              <a:t>AddressBookChangedEvent</a:t>
+            </a:r>
+            <a:r>
+              <a:rPr lang="en-US" sz="1400" dirty="0" smtClean="0">
                 <a:solidFill>
                   <a:schemeClr val="accent5">
                     <a:lumMod val="75000"/>
@@ -4930,6 +4954,13 @@
               </a:rPr>
               <a:t>)</a:t>
             </a:r>
+            <a:endParaRPr lang="en-US" sz="1400" dirty="0">
+              <a:solidFill>
+                <a:schemeClr val="accent5">
+                  <a:lumMod val="75000"/>
+                </a:schemeClr>
+              </a:solidFill>
+            </a:endParaRPr>
           </a:p>
         </p:txBody>
       </p:sp>
@@ -5021,7 +5052,7 @@
           <a:p>
             <a:pPr algn="ctr"/>
             <a:r>
-              <a:rPr lang="en-US" sz="1600" dirty="0">
+              <a:rPr lang="en-US" sz="1600" dirty="0" smtClean="0">
                 <a:solidFill>
                   <a:schemeClr val="bg1"/>
                 </a:solidFill>
@@ -5029,7 +5060,7 @@
               <a:t>:</a:t>
             </a:r>
             <a:r>
-              <a:rPr lang="en-US" sz="1600" dirty="0" err="1">
+              <a:rPr lang="en-US" sz="1600" dirty="0" err="1" smtClean="0">
                 <a:solidFill>
                   <a:schemeClr val="bg1"/>
                 </a:solidFill>
@@ -5276,17 +5307,17 @@
           <a:lstStyle/>
           <a:p>
             <a:r>
-              <a:rPr lang="en-US" sz="1400" dirty="0" err="1">
+              <a:rPr lang="en-US" sz="1400" dirty="0" err="1" smtClean="0">
                 <a:solidFill>
                   <a:schemeClr val="accent6">
                     <a:lumMod val="75000"/>
                   </a:schemeClr>
                 </a:solidFill>
               </a:rPr>
-              <a:t>handleOrderBookChangedEvent</a:t>
-            </a:r>
-            <a:r>
-              <a:rPr lang="en-US" sz="1400" dirty="0">
+              <a:t>handleAddresssBookChangedEvent</a:t>
+            </a:r>
+            <a:r>
+              <a:rPr lang="en-US" sz="1400" dirty="0" smtClean="0">
                 <a:solidFill>
                   <a:schemeClr val="accent6">
                     <a:lumMod val="75000"/>
@@ -5295,6 +5326,13 @@
               </a:rPr>
               <a:t>()</a:t>
             </a:r>
+            <a:endParaRPr lang="en-US" sz="1400" dirty="0">
+              <a:solidFill>
+                <a:schemeClr val="accent6">
+                  <a:lumMod val="75000"/>
+                </a:schemeClr>
+              </a:solidFill>
+            </a:endParaRPr>
           </a:p>
         </p:txBody>
       </p:sp>
@@ -5379,7 +5417,7 @@
           <a:p>
             <a:pPr algn="ctr"/>
             <a:r>
-              <a:rPr lang="en-US" sz="1600" dirty="0">
+              <a:rPr lang="en-US" sz="1600" dirty="0" smtClean="0">
                 <a:solidFill>
                   <a:schemeClr val="bg1"/>
                 </a:solidFill>
@@ -5582,21 +5620,26 @@
           <a:lstStyle/>
           <a:p>
             <a:r>
-              <a:rPr lang="en-US" sz="1400" dirty="0" err="1">
+              <a:rPr lang="en-US" sz="1400" dirty="0" err="1" smtClean="0">
                 <a:solidFill>
                   <a:srgbClr val="00B050"/>
                 </a:solidFill>
               </a:rPr>
-              <a:t>handleOrderBookChangedEvent</a:t>
-            </a:r>
-            <a:r>
-              <a:rPr lang="en-US" sz="1400" dirty="0">
+              <a:t>handleAddresssBookChangedEvent</a:t>
+            </a:r>
+            <a:r>
+              <a:rPr lang="en-US" sz="1400" dirty="0" smtClean="0">
                 <a:solidFill>
                   <a:srgbClr val="00B050"/>
                 </a:solidFill>
               </a:rPr>
               <a:t>()</a:t>
             </a:r>
+            <a:endParaRPr lang="en-US" sz="1400" dirty="0">
+              <a:solidFill>
+                <a:srgbClr val="00B050"/>
+              </a:solidFill>
+            </a:endParaRPr>
           </a:p>
         </p:txBody>
       </p:sp>
@@ -5783,13 +5826,18 @@
           <a:p>
             <a:pPr algn="r"/>
             <a:r>
-              <a:rPr lang="en-US" sz="1400" dirty="0">
+              <a:rPr lang="en-US" sz="1400" dirty="0" smtClean="0">
                 <a:solidFill>
                   <a:srgbClr val="00B050"/>
                 </a:solidFill>
               </a:rPr>
               <a:t>Update status bar</a:t>
             </a:r>
+            <a:endParaRPr lang="en-US" sz="1400" dirty="0">
+              <a:solidFill>
+                <a:srgbClr val="00B050"/>
+              </a:solidFill>
+            </a:endParaRPr>
           </a:p>
         </p:txBody>
       </p:sp>
@@ -5979,7 +6027,7 @@
           <a:lstStyle/>
           <a:p>
             <a:r>
-              <a:rPr lang="en-US" sz="1400" dirty="0">
+              <a:rPr lang="en-US" sz="1400" dirty="0" smtClean="0">
                 <a:solidFill>
                   <a:schemeClr val="accent6">
                     <a:lumMod val="75000"/>
@@ -5989,7 +6037,7 @@
               <a:t>Save </a:t>
             </a:r>
             <a:br>
-              <a:rPr lang="en-US" sz="1400" dirty="0">
+              <a:rPr lang="en-US" sz="1400" dirty="0" smtClean="0">
                 <a:solidFill>
                   <a:schemeClr val="accent6">
                     <a:lumMod val="75000"/>
@@ -5998,7 +6046,7 @@
               </a:rPr>
             </a:br>
             <a:r>
-              <a:rPr lang="en-US" sz="1400" dirty="0">
+              <a:rPr lang="en-US" sz="1400" dirty="0" smtClean="0">
                 <a:solidFill>
                   <a:schemeClr val="accent6">
                     <a:lumMod val="75000"/>
@@ -6007,6 +6055,13 @@
               </a:rPr>
               <a:t>to file</a:t>
             </a:r>
+            <a:endParaRPr lang="en-US" sz="1400" dirty="0">
+              <a:solidFill>
+                <a:schemeClr val="accent6">
+                  <a:lumMod val="75000"/>
+                </a:schemeClr>
+              </a:solidFill>
+            </a:endParaRPr>
           </a:p>
         </p:txBody>
       </p:sp>
